--- a/test/pptx/speaker_notes_afterseps_deleted_layouts.pptx
+++ b/test/pptx/speaker_notes_afterseps_deleted_layouts.pptx
@@ -4014,7 +4014,7 @@
       </p:grpSpPr>
       <p:pic>
         <p:nvPicPr>
-          <p:cNvPr descr="lalune.jpg" id="0" name="Picture 1"/>
+          <p:cNvPr descr="fig:  lalune.jpg" id="0" name="Picture 1"/>
           <p:cNvPicPr>
             <a:picLocks noGrp="1" noChangeAspect="1"/>
           </p:cNvPicPr>
